--- a/PrimeDeRisque/PrimeDeRisque.pptx
+++ b/PrimeDeRisque/PrimeDeRisque.pptx
@@ -26814,11 +26814,7 @@
           <a:p>
             <a:r>
               <a:rPr lang="de-CH" dirty="0" err="1"/>
-              <a:t>Economie</a:t>
-            </a:r>
-            <a:r>
-              <a:rPr lang="de-CH" dirty="0"/>
-              <a:t> Suisse</a:t>
+              <a:t>MacroSuisse</a:t>
             </a:r>
             <a:endParaRPr lang="en-CH" dirty="0"/>
           </a:p>
@@ -26994,7 +26990,7 @@
             </a:pPr>
             <a:r>
               <a:rPr lang="fr-FR" dirty="0"/>
-              <a:t>Différence entre…</a:t>
+              <a:t>Différence entre …</a:t>
             </a:r>
           </a:p>
           <a:p>
@@ -27009,7 +27005,7 @@
             </a:pPr>
             <a:r>
               <a:rPr lang="fr-FR" dirty="0"/>
-              <a:t>le rendement d’une dette avec un risque de faillite (entreprises privées)</a:t>
+              <a:t>… rendement d’une dette soumis à un risque de faillite (entreprises privées)</a:t>
             </a:r>
           </a:p>
           <a:p>
@@ -27024,7 +27020,7 @@
             </a:pPr>
             <a:r>
               <a:rPr lang="fr-FR" dirty="0"/>
-              <a:t>le rendement d’une dette sans risque (obligation de la Confédération)</a:t>
+              <a:t>… rendement d’une dette sans risque (obligation de la Confédération)</a:t>
             </a:r>
           </a:p>
           <a:p>
@@ -27035,44 +27031,9 @@
           </a:p>
         </p:txBody>
       </p:sp>
-      <p:sp>
-        <p:nvSpPr>
-          <p:cNvPr id="6" name="Slide Number Placeholder 2">
-            <a:extLst>
-              <a:ext uri="{FF2B5EF4-FFF2-40B4-BE49-F238E27FC236}">
-                <a16:creationId xmlns:a16="http://schemas.microsoft.com/office/drawing/2014/main" id="{AF47C112-30E0-48C6-B0EA-BB15285FFE82}"/>
-              </a:ext>
-            </a:extLst>
-          </p:cNvPr>
-          <p:cNvSpPr>
-            <a:spLocks noGrp="1"/>
-          </p:cNvSpPr>
-          <p:nvPr>
-            <p:ph type="sldNum" idx="12"/>
-          </p:nvPr>
-        </p:nvSpPr>
-        <p:spPr>
-          <a:xfrm>
-            <a:off x="8586575" y="-11875"/>
-            <a:ext cx="557400" cy="547800"/>
-          </a:xfrm>
-        </p:spPr>
-        <p:txBody>
-          <a:bodyPr/>
-          <a:lstStyle/>
-          <a:p>
-            <a:fld id="{00000000-1234-1234-1234-123412341234}" type="slidenum">
-              <a:rPr lang="en" smtClean="0"/>
-              <a:pPr/>
-              <a:t>2</a:t>
-            </a:fld>
-            <a:endParaRPr lang="en" dirty="0"/>
-          </a:p>
-        </p:txBody>
-      </p:sp>
       <p:pic>
         <p:nvPicPr>
-          <p:cNvPr id="3" name="Picture 2" descr="A close up of a map&#10;&#10;Description automatically generated">
+          <p:cNvPr id="3" name="Picture 2">
             <a:extLst>
               <a:ext uri="{FF2B5EF4-FFF2-40B4-BE49-F238E27FC236}">
                 <a16:creationId xmlns:a16="http://schemas.microsoft.com/office/drawing/2014/main" id="{ACC4C84D-5255-42C2-9675-E8D36F06D4DB}"/>
@@ -27085,7 +27046,8 @@
           <p:nvPr/>
         </p:nvPicPr>
         <p:blipFill>
-          <a:blip r:embed="rId2"/>
+          <a:blip r:embed="rId2" r:link="rId3"/>
+          <a:srcRect/>
           <a:stretch>
             <a:fillRect/>
           </a:stretch>
@@ -27093,7 +27055,7 @@
         <p:spPr>
           <a:xfrm>
             <a:off x="3783079" y="854784"/>
-            <a:ext cx="5360895" cy="4288716"/>
+            <a:ext cx="5360895" cy="4288715"/>
           </a:xfrm>
           <a:prstGeom prst="rect">
             <a:avLst/>
@@ -27153,7 +27115,7 @@
           <a:p>
             <a:r>
               <a:rPr lang="fr-FR" dirty="0"/>
-              <a:t>L’impact de la crise sur la prime de risque</a:t>
+              <a:t>L’impact des crises sur la prime de risque</a:t>
             </a:r>
             <a:endParaRPr lang="en-CH" dirty="0"/>
           </a:p>
@@ -27190,7 +27152,7 @@
             </a:pPr>
             <a:r>
               <a:rPr lang="fr-FR" dirty="0"/>
-              <a:t>La prime de risque augmente dans des crises économiques</a:t>
+              <a:t>Le risque d’être en faillite, et donc la prime de risque, augmente dans des crises économiques</a:t>
             </a:r>
           </a:p>
           <a:p>
@@ -27205,49 +27167,14 @@
             </a:pPr>
             <a:r>
               <a:rPr lang="fr-FR" dirty="0"/>
-              <a:t>Actuellement, la prime de risque et entre le niveau de la crise financière et le fin du taux plancher</a:t>
+              <a:t>Une « courbe de fièvre » avec laquelle on peut rapidement détecter des problèmes économiques</a:t>
             </a:r>
-          </a:p>
-        </p:txBody>
-      </p:sp>
-      <p:sp>
-        <p:nvSpPr>
-          <p:cNvPr id="6" name="Slide Number Placeholder 2">
-            <a:extLst>
-              <a:ext uri="{FF2B5EF4-FFF2-40B4-BE49-F238E27FC236}">
-                <a16:creationId xmlns:a16="http://schemas.microsoft.com/office/drawing/2014/main" id="{AF47C112-30E0-48C6-B0EA-BB15285FFE82}"/>
-              </a:ext>
-            </a:extLst>
-          </p:cNvPr>
-          <p:cNvSpPr>
-            <a:spLocks noGrp="1"/>
-          </p:cNvSpPr>
-          <p:nvPr>
-            <p:ph type="sldNum" idx="12"/>
-          </p:nvPr>
-        </p:nvSpPr>
-        <p:spPr>
-          <a:xfrm>
-            <a:off x="8586575" y="-11875"/>
-            <a:ext cx="557400" cy="547800"/>
-          </a:xfrm>
-        </p:spPr>
-        <p:txBody>
-          <a:bodyPr/>
-          <a:lstStyle/>
-          <a:p>
-            <a:fld id="{00000000-1234-1234-1234-123412341234}" type="slidenum">
-              <a:rPr lang="en" smtClean="0"/>
-              <a:pPr/>
-              <a:t>3</a:t>
-            </a:fld>
-            <a:endParaRPr lang="en" dirty="0"/>
           </a:p>
         </p:txBody>
       </p:sp>
       <p:pic>
         <p:nvPicPr>
-          <p:cNvPr id="3" name="Picture 2" descr="A screenshot of a cell phone&#10;&#10;Description automatically generated">
+          <p:cNvPr id="3" name="Picture 2">
             <a:extLst>
               <a:ext uri="{FF2B5EF4-FFF2-40B4-BE49-F238E27FC236}">
                 <a16:creationId xmlns:a16="http://schemas.microsoft.com/office/drawing/2014/main" id="{EAE5D835-AD43-4A75-A028-5657A4609F37}"/>
@@ -27260,7 +27187,8 @@
           <p:nvPr/>
         </p:nvPicPr>
         <p:blipFill>
-          <a:blip r:embed="rId2"/>
+          <a:blip r:embed="rId2" r:link="rId3"/>
+          <a:srcRect/>
           <a:stretch>
             <a:fillRect/>
           </a:stretch>
@@ -27268,7 +27196,7 @@
         <p:spPr>
           <a:xfrm>
             <a:off x="3783079" y="854784"/>
-            <a:ext cx="5360896" cy="4288716"/>
+            <a:ext cx="5360895" cy="4288716"/>
           </a:xfrm>
           <a:prstGeom prst="rect">
             <a:avLst/>
@@ -27328,7 +27256,7 @@
           <a:p>
             <a:r>
               <a:rPr lang="fr-FR" dirty="0"/>
-              <a:t>Ouverture des procédures de faillite</a:t>
+              <a:t>La prime de risque disponible rapidement</a:t>
             </a:r>
             <a:endParaRPr lang="en-CH" dirty="0"/>
           </a:p>
@@ -27365,7 +27293,7 @@
             </a:pPr>
             <a:r>
               <a:rPr lang="fr-FR" dirty="0"/>
-              <a:t>Lien avec les ouvertures de procédures de faillite</a:t>
+              <a:t>Lien avec la variation des ouvertures de procédures de faillite</a:t>
             </a:r>
           </a:p>
           <a:p>
@@ -27380,7 +27308,7 @@
             </a:pPr>
             <a:r>
               <a:rPr lang="fr-FR" dirty="0"/>
-              <a:t>Mais, les informations des marchés financiers sont disponible chaque jour!</a:t>
+              <a:t>Informations des marchés financiers disponible chaque jour!</a:t>
             </a:r>
           </a:p>
           <a:p>
@@ -27395,7 +27323,7 @@
             </a:pPr>
             <a:r>
               <a:rPr lang="fr-FR" dirty="0"/>
-              <a:t>D’autres statistiques sont publié avec des retards important</a:t>
+              <a:t>Autres statistiques publié avec des retards important</a:t>
             </a:r>
           </a:p>
           <a:p>
@@ -27406,44 +27334,9 @@
           </a:p>
         </p:txBody>
       </p:sp>
-      <p:sp>
-        <p:nvSpPr>
-          <p:cNvPr id="6" name="Slide Number Placeholder 2">
-            <a:extLst>
-              <a:ext uri="{FF2B5EF4-FFF2-40B4-BE49-F238E27FC236}">
-                <a16:creationId xmlns:a16="http://schemas.microsoft.com/office/drawing/2014/main" id="{AF47C112-30E0-48C6-B0EA-BB15285FFE82}"/>
-              </a:ext>
-            </a:extLst>
-          </p:cNvPr>
-          <p:cNvSpPr>
-            <a:spLocks noGrp="1"/>
-          </p:cNvSpPr>
-          <p:nvPr>
-            <p:ph type="sldNum" idx="12"/>
-          </p:nvPr>
-        </p:nvSpPr>
-        <p:spPr>
-          <a:xfrm>
-            <a:off x="8586575" y="-11875"/>
-            <a:ext cx="557400" cy="547800"/>
-          </a:xfrm>
-        </p:spPr>
-        <p:txBody>
-          <a:bodyPr/>
-          <a:lstStyle/>
-          <a:p>
-            <a:fld id="{00000000-1234-1234-1234-123412341234}" type="slidenum">
-              <a:rPr lang="en" smtClean="0"/>
-              <a:pPr/>
-              <a:t>4</a:t>
-            </a:fld>
-            <a:endParaRPr lang="en" dirty="0"/>
-          </a:p>
-        </p:txBody>
-      </p:sp>
       <p:pic>
         <p:nvPicPr>
-          <p:cNvPr id="3" name="Picture 2" descr="A close up of a map&#10;&#10;Description automatically generated">
+          <p:cNvPr id="3" name="Picture 2">
             <a:extLst>
               <a:ext uri="{FF2B5EF4-FFF2-40B4-BE49-F238E27FC236}">
                 <a16:creationId xmlns:a16="http://schemas.microsoft.com/office/drawing/2014/main" id="{9024F03A-C13B-4C6F-878E-787AEEB7A6C3}"/>
@@ -27456,7 +27349,8 @@
           <p:nvPr/>
         </p:nvPicPr>
         <p:blipFill>
-          <a:blip r:embed="rId2"/>
+          <a:blip r:embed="rId2" r:link="rId3"/>
+          <a:srcRect/>
           <a:stretch>
             <a:fillRect/>
           </a:stretch>
@@ -27464,7 +27358,7 @@
         <p:spPr>
           <a:xfrm>
             <a:off x="3783104" y="854784"/>
-            <a:ext cx="5360896" cy="4288716"/>
+            <a:ext cx="5360895" cy="4288716"/>
           </a:xfrm>
           <a:prstGeom prst="rect">
             <a:avLst/>
@@ -27522,15 +27416,19 @@
           <a:bodyPr/>
           <a:lstStyle/>
           <a:p>
+            <a:pPr marL="76200" algn="ctr"/>
             <a:r>
-              <a:rPr lang="fr-FR"/>
-              <a:t>Pour en </a:t>
+              <a:rPr lang="fr-FR" dirty="0"/>
+              <a:t>#</a:t>
+            </a:r>
+            <a:r>
+              <a:rPr lang="fr-FR" dirty="0" err="1"/>
+              <a:t>RestezChezVous</a:t>
             </a:r>
             <a:r>
               <a:rPr lang="fr-FR" dirty="0"/>
-              <a:t>savoir plus</a:t>
+              <a:t>!</a:t>
             </a:r>
-            <a:endParaRPr lang="en-CH" dirty="0"/>
           </a:p>
         </p:txBody>
       </p:sp>
@@ -27555,24 +27453,13 @@
           <a:bodyPr/>
           <a:lstStyle/>
           <a:p>
-            <a:pPr marL="76200" indent="0" algn="ctr">
+            <a:pPr marL="76200" indent="0">
               <a:buNone/>
             </a:pPr>
             <a:r>
               <a:rPr lang="fr-FR" dirty="0"/>
-              <a:t>#</a:t>
+              <a:t>Code de programme, données, </a:t>
             </a:r>
-            <a:r>
-              <a:rPr lang="fr-FR" dirty="0" err="1"/>
-              <a:t>RestezChezVous</a:t>
-            </a:r>
-            <a:endParaRPr lang="fr-FR" dirty="0"/>
-          </a:p>
-          <a:p>
-            <a:pPr marL="76200" indent="0">
-              <a:buNone/>
-            </a:pPr>
-            <a:endParaRPr lang="fr-FR" dirty="0"/>
           </a:p>
           <a:p>
             <a:pPr marL="76200" indent="0">
@@ -27580,38 +27467,59 @@
             </a:pPr>
             <a:r>
               <a:rPr lang="fr-FR" dirty="0"/>
-              <a:t>Code de programme et info sur l’économie Suisse:</a:t>
+              <a:t>et infos sur l’économie Suisse:</a:t>
             </a:r>
           </a:p>
           <a:p>
-            <a:pPr marL="76200" indent="0">
-              <a:buNone/>
-            </a:pPr>
             <a:r>
-              <a:rPr lang="fr-FR" dirty="0">
+              <a:rPr lang="fr-FR" sz="2000" dirty="0">
                 <a:hlinkClick r:id="rId2"/>
               </a:rPr>
-              <a:t>github.com/dankaufmann/EcoSuisse</a:t>
+              <a:t>github.com/</a:t>
             </a:r>
-            <a:endParaRPr lang="fr-FR" dirty="0"/>
+            <a:r>
+              <a:rPr lang="fr-FR" sz="2000" dirty="0" err="1">
+                <a:hlinkClick r:id="rId2"/>
+              </a:rPr>
+              <a:t>dankaufmann</a:t>
+            </a:r>
+            <a:r>
+              <a:rPr lang="fr-FR" sz="2000" dirty="0">
+                <a:hlinkClick r:id="rId2"/>
+              </a:rPr>
+              <a:t>/</a:t>
+            </a:r>
+            <a:r>
+              <a:rPr lang="fr-FR" sz="2000" dirty="0" err="1">
+                <a:hlinkClick r:id="rId2"/>
+              </a:rPr>
+              <a:t>MacroSuisse</a:t>
+            </a:r>
+            <a:endParaRPr lang="fr-FR" sz="2000" dirty="0"/>
           </a:p>
           <a:p>
-            <a:pPr marL="76200" indent="0">
-              <a:buNone/>
-            </a:pPr>
             <a:r>
-              <a:rPr lang="fr-FR" dirty="0">
+              <a:rPr lang="fr-FR" sz="2000" dirty="0">
                 <a:hlinkClick r:id="rId3"/>
               </a:rPr>
               <a:t>twitter.com/</a:t>
             </a:r>
             <a:r>
-              <a:rPr lang="fr-FR" dirty="0" err="1">
+              <a:rPr lang="fr-FR" sz="2000" dirty="0" err="1">
                 <a:hlinkClick r:id="rId3"/>
               </a:rPr>
               <a:t>KaufmannDani</a:t>
             </a:r>
-            <a:endParaRPr lang="fr-FR" b="1" dirty="0"/>
+            <a:endParaRPr lang="fr-FR" sz="2000" dirty="0"/>
+          </a:p>
+          <a:p>
+            <a:r>
+              <a:rPr lang="fr-FR" sz="2000" dirty="0">
+                <a:hlinkClick r:id="rId4"/>
+              </a:rPr>
+              <a:t>www.youtube.com/channel/UCJpACBsnn1eQTObWz5LniGg</a:t>
+            </a:r>
+            <a:endParaRPr lang="fr-FR" sz="2000" b="1" dirty="0"/>
           </a:p>
           <a:p>
             <a:pPr marL="76200" indent="0">
@@ -27629,71 +27537,63 @@
             </a:r>
             <a:r>
               <a:rPr lang="fr-FR" dirty="0" err="1"/>
-              <a:t>bachelor</a:t>
+              <a:t>Bachelor</a:t>
             </a:r>
             <a:r>
               <a:rPr lang="fr-FR" dirty="0"/>
-              <a:t> et master à l’Université de Neuchâtel :</a:t>
+              <a:t> et Master à l’Université de Neuchâtel :</a:t>
             </a:r>
           </a:p>
           <a:p>
-            <a:pPr marL="76200" indent="0">
-              <a:buNone/>
-            </a:pPr>
             <a:r>
-              <a:rPr lang="fr-FR" dirty="0">
-                <a:hlinkClick r:id="rId4"/>
+              <a:rPr lang="fr-FR" sz="2000" dirty="0">
+                <a:hlinkClick r:id="rId5"/>
               </a:rPr>
               <a:t>www.unine.ch/seco</a:t>
             </a:r>
-            <a:endParaRPr lang="fr-FR" dirty="0"/>
+            <a:endParaRPr lang="fr-FR" sz="2000" dirty="0"/>
           </a:p>
           <a:p>
-            <a:pPr marL="76200" indent="0">
-              <a:buNone/>
-            </a:pPr>
             <a:r>
-              <a:rPr lang="fr-FR" dirty="0"/>
-              <a:t>Macro-économie 1&amp;2, International Finance, Macro Policy</a:t>
+              <a:rPr lang="fr-FR" sz="2000" dirty="0"/>
+              <a:t>Macro-économie 1&amp;2, International Finance, Macro Policy, …</a:t>
             </a:r>
           </a:p>
         </p:txBody>
       </p:sp>
-      <p:sp>
-        <p:nvSpPr>
-          <p:cNvPr id="6" name="Slide Number Placeholder 2">
+      <p:pic>
+        <p:nvPicPr>
+          <p:cNvPr id="7" name="Image 2">
             <a:extLst>
               <a:ext uri="{FF2B5EF4-FFF2-40B4-BE49-F238E27FC236}">
-                <a16:creationId xmlns:a16="http://schemas.microsoft.com/office/drawing/2014/main" id="{AF47C112-30E0-48C6-B0EA-BB15285FFE82}"/>
+                <a16:creationId xmlns:a16="http://schemas.microsoft.com/office/drawing/2014/main" id="{716F5B7C-3F28-49AA-A533-D69C370B412E}"/>
               </a:ext>
             </a:extLst>
           </p:cNvPr>
-          <p:cNvSpPr>
-            <a:spLocks noGrp="1"/>
-          </p:cNvSpPr>
-          <p:nvPr>
-            <p:ph type="sldNum" idx="12"/>
-          </p:nvPr>
-        </p:nvSpPr>
+          <p:cNvPicPr/>
+          <p:nvPr/>
+        </p:nvPicPr>
+        <p:blipFill rotWithShape="1">
+          <a:blip r:embed="rId6">
+            <a:extLst>
+              <a:ext uri="{28A0092B-C50C-407E-A947-70E740481C1C}">
+                <a14:useLocalDpi xmlns:a14="http://schemas.microsoft.com/office/drawing/2010/main" val="0"/>
+              </a:ext>
+            </a:extLst>
+          </a:blip>
+          <a:srcRect l="20630" t="21943" r="15028" b="21384"/>
+          <a:stretch/>
+        </p:blipFill>
         <p:spPr>
           <a:xfrm>
-            <a:off x="8586575" y="-11875"/>
-            <a:ext cx="557400" cy="547800"/>
+            <a:off x="7464754" y="4019639"/>
+            <a:ext cx="1679246" cy="1123861"/>
           </a:xfrm>
+          <a:prstGeom prst="rect">
+            <a:avLst/>
+          </a:prstGeom>
         </p:spPr>
-        <p:txBody>
-          <a:bodyPr/>
-          <a:lstStyle/>
-          <a:p>
-            <a:fld id="{00000000-1234-1234-1234-123412341234}" type="slidenum">
-              <a:rPr lang="en" smtClean="0"/>
-              <a:pPr/>
-              <a:t>5</a:t>
-            </a:fld>
-            <a:endParaRPr lang="en" dirty="0"/>
-          </a:p>
-        </p:txBody>
-      </p:sp>
+      </p:pic>
     </p:spTree>
     <p:extLst>
       <p:ext uri="{BB962C8B-B14F-4D97-AF65-F5344CB8AC3E}">
